--- a/3110 Project PPT.pptx
+++ b/3110 Project PPT.pptx
@@ -275,12 +275,20 @@
 </p:presentation>
 </file>
 
+<file path=ppt/revisionInfo.xml><?xml version="1.0" encoding="utf-8"?>
+<p1510:revInfo xmlns:a="http://schemas.openxmlformats.org/drawingml/2006/main" xmlns:r="http://schemas.openxmlformats.org/officeDocument/2006/relationships" xmlns:p1510="http://schemas.microsoft.com/office/powerpoint/2015/10/main">
+  <p1510:revLst>
+    <p1510:client id="{BE226675-ABCE-43A0-A217-1C8FA4D5A133}" v="5" dt="2025-12-11T04:21:54.728"/>
+  </p1510:revLst>
+</p1510:revInfo>
+</file>
+
 <file path=ppt/changesInfos/changesInfo1.xml><?xml version="1.0" encoding="utf-8"?>
 <pc:chgInfo xmlns:a="http://schemas.openxmlformats.org/drawingml/2006/main" xmlns:r="http://schemas.openxmlformats.org/officeDocument/2006/relationships" xmlns:ac="http://schemas.microsoft.com/office/drawing/2013/main/command" xmlns:pc="http://schemas.microsoft.com/office/powerpoint/2013/main/command">
   <pc:docChgLst>
     <pc:chgData name="Sara Khoshaba" userId="2d13dabe401d16a1" providerId="LiveId" clId="{1ED43A84-BF28-4A83-B703-2DC8CD5A73EA}"/>
-    <pc:docChg chg="modSld">
-      <pc:chgData name="Sara Khoshaba" userId="2d13dabe401d16a1" providerId="LiveId" clId="{1ED43A84-BF28-4A83-B703-2DC8CD5A73EA}" dt="2025-12-10T18:34:17.864" v="1" actId="20577"/>
+    <pc:docChg chg="custSel modSld">
+      <pc:chgData name="Sara Khoshaba" userId="2d13dabe401d16a1" providerId="LiveId" clId="{1ED43A84-BF28-4A83-B703-2DC8CD5A73EA}" dt="2025-12-11T04:24:07.550" v="62" actId="1076"/>
       <pc:docMkLst>
         <pc:docMk/>
       </pc:docMkLst>
@@ -298,6 +306,133 @@
             <ac:spMk id="154" creationId="{00000000-0000-0000-0000-000000000000}"/>
           </ac:spMkLst>
         </pc:spChg>
+      </pc:sldChg>
+      <pc:sldChg chg="addSp delSp modSp mod">
+        <pc:chgData name="Sara Khoshaba" userId="2d13dabe401d16a1" providerId="LiveId" clId="{1ED43A84-BF28-4A83-B703-2DC8CD5A73EA}" dt="2025-12-11T04:24:07.550" v="62" actId="1076"/>
+        <pc:sldMkLst>
+          <pc:docMk/>
+          <pc:sldMk cId="0" sldId="261"/>
+        </pc:sldMkLst>
+        <pc:spChg chg="mod">
+          <ac:chgData name="Sara Khoshaba" userId="2d13dabe401d16a1" providerId="LiveId" clId="{1ED43A84-BF28-4A83-B703-2DC8CD5A73EA}" dt="2025-12-11T04:24:07.550" v="62" actId="1076"/>
+          <ac:spMkLst>
+            <pc:docMk/>
+            <pc:sldMk cId="0" sldId="261"/>
+            <ac:spMk id="29" creationId="{292047AD-7A7A-2296-54F7-488D66B40A45}"/>
+          </ac:spMkLst>
+        </pc:spChg>
+        <pc:spChg chg="mod">
+          <ac:chgData name="Sara Khoshaba" userId="2d13dabe401d16a1" providerId="LiveId" clId="{1ED43A84-BF28-4A83-B703-2DC8CD5A73EA}" dt="2025-12-11T04:23:39.097" v="61" actId="1076"/>
+          <ac:spMkLst>
+            <pc:docMk/>
+            <pc:sldMk cId="0" sldId="261"/>
+            <ac:spMk id="41" creationId="{E2471018-0F08-F21D-3F37-D9E33CBBEAD4}"/>
+          </ac:spMkLst>
+        </pc:spChg>
+        <pc:spChg chg="mod">
+          <ac:chgData name="Sara Khoshaba" userId="2d13dabe401d16a1" providerId="LiveId" clId="{1ED43A84-BF28-4A83-B703-2DC8CD5A73EA}" dt="2025-12-10T20:38:36.790" v="40" actId="1076"/>
+          <ac:spMkLst>
+            <pc:docMk/>
+            <pc:sldMk cId="0" sldId="261"/>
+            <ac:spMk id="42" creationId="{8DAC3300-B961-86BA-521A-62A8F7C39EE1}"/>
+          </ac:spMkLst>
+        </pc:spChg>
+        <pc:spChg chg="mod">
+          <ac:chgData name="Sara Khoshaba" userId="2d13dabe401d16a1" providerId="LiveId" clId="{1ED43A84-BF28-4A83-B703-2DC8CD5A73EA}" dt="2025-12-10T20:37:44.817" v="37" actId="1076"/>
+          <ac:spMkLst>
+            <pc:docMk/>
+            <pc:sldMk cId="0" sldId="261"/>
+            <ac:spMk id="43" creationId="{9B716C43-4DC9-E739-B815-73E4DC0AB812}"/>
+          </ac:spMkLst>
+        </pc:spChg>
+        <pc:spChg chg="mod">
+          <ac:chgData name="Sara Khoshaba" userId="2d13dabe401d16a1" providerId="LiveId" clId="{1ED43A84-BF28-4A83-B703-2DC8CD5A73EA}" dt="2025-12-10T20:39:20.836" v="43" actId="1076"/>
+          <ac:spMkLst>
+            <pc:docMk/>
+            <pc:sldMk cId="0" sldId="261"/>
+            <ac:spMk id="278" creationId="{00000000-0000-0000-0000-000000000000}"/>
+          </ac:spMkLst>
+        </pc:spChg>
+        <pc:spChg chg="mod">
+          <ac:chgData name="Sara Khoshaba" userId="2d13dabe401d16a1" providerId="LiveId" clId="{1ED43A84-BF28-4A83-B703-2DC8CD5A73EA}" dt="2025-12-10T20:37:44.817" v="37" actId="1076"/>
+          <ac:spMkLst>
+            <pc:docMk/>
+            <pc:sldMk cId="0" sldId="261"/>
+            <ac:spMk id="280" creationId="{00000000-0000-0000-0000-000000000000}"/>
+          </ac:spMkLst>
+        </pc:spChg>
+        <pc:picChg chg="add mod">
+          <ac:chgData name="Sara Khoshaba" userId="2d13dabe401d16a1" providerId="LiveId" clId="{1ED43A84-BF28-4A83-B703-2DC8CD5A73EA}" dt="2025-12-10T20:37:32.407" v="36" actId="1076"/>
+          <ac:picMkLst>
+            <pc:docMk/>
+            <pc:sldMk cId="0" sldId="261"/>
+            <ac:picMk id="3" creationId="{77BB561E-B95B-EF18-FFF8-08FDA702AD4C}"/>
+          </ac:picMkLst>
+        </pc:picChg>
+        <pc:picChg chg="add del mod">
+          <ac:chgData name="Sara Khoshaba" userId="2d13dabe401d16a1" providerId="LiveId" clId="{1ED43A84-BF28-4A83-B703-2DC8CD5A73EA}" dt="2025-12-11T04:21:49.308" v="49" actId="478"/>
+          <ac:picMkLst>
+            <pc:docMk/>
+            <pc:sldMk cId="0" sldId="261"/>
+            <ac:picMk id="4" creationId="{0EBA8881-8202-4FEF-98EE-203FB9F89788}"/>
+          </ac:picMkLst>
+        </pc:picChg>
+        <pc:picChg chg="add del mod">
+          <ac:chgData name="Sara Khoshaba" userId="2d13dabe401d16a1" providerId="LiveId" clId="{1ED43A84-BF28-4A83-B703-2DC8CD5A73EA}" dt="2025-12-10T20:34:55.398" v="12" actId="478"/>
+          <ac:picMkLst>
+            <pc:docMk/>
+            <pc:sldMk cId="0" sldId="261"/>
+            <ac:picMk id="5" creationId="{6708DAA5-6315-CDF5-602C-81D99C469F39}"/>
+          </ac:picMkLst>
+        </pc:picChg>
+        <pc:picChg chg="add mod">
+          <ac:chgData name="Sara Khoshaba" userId="2d13dabe401d16a1" providerId="LiveId" clId="{1ED43A84-BF28-4A83-B703-2DC8CD5A73EA}" dt="2025-12-11T04:23:39.097" v="61" actId="1076"/>
+          <ac:picMkLst>
+            <pc:docMk/>
+            <pc:sldMk cId="0" sldId="261"/>
+            <ac:picMk id="6" creationId="{50411F8F-FB1E-47B8-4583-4BC6AA76DF62}"/>
+          </ac:picMkLst>
+        </pc:picChg>
+        <pc:picChg chg="add mod">
+          <ac:chgData name="Sara Khoshaba" userId="2d13dabe401d16a1" providerId="LiveId" clId="{1ED43A84-BF28-4A83-B703-2DC8CD5A73EA}" dt="2025-12-10T20:39:20.836" v="43" actId="1076"/>
+          <ac:picMkLst>
+            <pc:docMk/>
+            <pc:sldMk cId="0" sldId="261"/>
+            <ac:picMk id="7" creationId="{83D3848A-F1CB-69DC-2E3F-29A28FECA208}"/>
+          </ac:picMkLst>
+        </pc:picChg>
+        <pc:cxnChg chg="mod">
+          <ac:chgData name="Sara Khoshaba" userId="2d13dabe401d16a1" providerId="LiveId" clId="{1ED43A84-BF28-4A83-B703-2DC8CD5A73EA}" dt="2025-12-10T20:36:36.421" v="29" actId="1076"/>
+          <ac:cxnSpMkLst>
+            <pc:docMk/>
+            <pc:sldMk cId="0" sldId="261"/>
+            <ac:cxnSpMk id="44" creationId="{CDFB82B5-FBC1-88C1-8E2C-97EDFE5B96D2}"/>
+          </ac:cxnSpMkLst>
+        </pc:cxnChg>
+        <pc:cxnChg chg="mod">
+          <ac:chgData name="Sara Khoshaba" userId="2d13dabe401d16a1" providerId="LiveId" clId="{1ED43A84-BF28-4A83-B703-2DC8CD5A73EA}" dt="2025-12-10T20:36:39.847" v="30" actId="1076"/>
+          <ac:cxnSpMkLst>
+            <pc:docMk/>
+            <pc:sldMk cId="0" sldId="261"/>
+            <ac:cxnSpMk id="49" creationId="{75E0BAAA-67AE-883B-D3DE-F06EDC50CDBD}"/>
+          </ac:cxnSpMkLst>
+        </pc:cxnChg>
+        <pc:cxnChg chg="mod">
+          <ac:chgData name="Sara Khoshaba" userId="2d13dabe401d16a1" providerId="LiveId" clId="{1ED43A84-BF28-4A83-B703-2DC8CD5A73EA}" dt="2025-12-10T20:36:31.331" v="27" actId="1076"/>
+          <ac:cxnSpMkLst>
+            <pc:docMk/>
+            <pc:sldMk cId="0" sldId="261"/>
+            <ac:cxnSpMk id="50" creationId="{6B13A09F-694F-4E23-955D-885B5B14E0FA}"/>
+          </ac:cxnSpMkLst>
+        </pc:cxnChg>
+        <pc:cxnChg chg="mod">
+          <ac:chgData name="Sara Khoshaba" userId="2d13dabe401d16a1" providerId="LiveId" clId="{1ED43A84-BF28-4A83-B703-2DC8CD5A73EA}" dt="2025-12-10T20:36:34.520" v="28" actId="1076"/>
+          <ac:cxnSpMkLst>
+            <pc:docMk/>
+            <pc:sldMk cId="0" sldId="261"/>
+            <ac:cxnSpMk id="52" creationId="{4DE3C40F-4AC3-D5A1-69CA-31D700CDDFAF}"/>
+          </ac:cxnSpMkLst>
+        </pc:cxnChg>
       </pc:sldChg>
     </pc:docChg>
   </pc:docChgLst>
@@ -11042,7 +11177,7 @@
         </p:nvSpPr>
         <p:spPr>
           <a:xfrm>
-            <a:off x="10657893" y="8630144"/>
+            <a:off x="9829309" y="9198468"/>
             <a:ext cx="3119940" cy="651973"/>
           </a:xfrm>
           <a:prstGeom prst="rect">
@@ -11095,7 +11230,7 @@
         </p:nvSpPr>
         <p:spPr>
           <a:xfrm>
-            <a:off x="2758690" y="4851989"/>
+            <a:off x="2758690" y="4748720"/>
             <a:ext cx="3093000" cy="651973"/>
           </a:xfrm>
           <a:prstGeom prst="rect">
@@ -11474,7 +11609,7 @@
         </p:nvSpPr>
         <p:spPr>
           <a:xfrm>
-            <a:off x="1761017" y="9480637"/>
+            <a:off x="1647016" y="9502372"/>
             <a:ext cx="793519" cy="675017"/>
           </a:xfrm>
           <a:custGeom>
@@ -11794,7 +11929,7 @@
         </p:nvSpPr>
         <p:spPr>
           <a:xfrm>
-            <a:off x="5177669" y="8642185"/>
+            <a:off x="6093648" y="9187908"/>
             <a:ext cx="1505100" cy="651973"/>
           </a:xfrm>
           <a:prstGeom prst="rect">
@@ -11853,7 +11988,7 @@
         </p:nvSpPr>
         <p:spPr>
           <a:xfrm>
-            <a:off x="12382994" y="4874031"/>
+            <a:off x="12382992" y="4660653"/>
             <a:ext cx="2438537" cy="651973"/>
           </a:xfrm>
           <a:prstGeom prst="rect">
@@ -11912,7 +12047,7 @@
         </p:nvSpPr>
         <p:spPr>
           <a:xfrm>
-            <a:off x="7811925" y="4796938"/>
+            <a:off x="7811925" y="4693669"/>
             <a:ext cx="2610834" cy="651973"/>
           </a:xfrm>
           <a:prstGeom prst="rect">
@@ -11973,7 +12108,7 @@
         </p:nvCxnSpPr>
         <p:spPr>
           <a:xfrm flipV="1">
-            <a:off x="557292" y="2732871"/>
+            <a:off x="395060" y="2712295"/>
             <a:ext cx="0" cy="4821258"/>
           </a:xfrm>
           <a:prstGeom prst="straightConnector1">
@@ -12007,7 +12142,7 @@
         </p:nvCxnSpPr>
         <p:spPr>
           <a:xfrm flipV="1">
-            <a:off x="17743657" y="2789389"/>
+            <a:off x="17876392" y="2766955"/>
             <a:ext cx="0" cy="4821258"/>
           </a:xfrm>
           <a:prstGeom prst="straightConnector1">
@@ -12041,7 +12176,7 @@
         </p:nvCxnSpPr>
         <p:spPr>
           <a:xfrm flipV="1">
-            <a:off x="2942140" y="9803887"/>
+            <a:off x="2942140" y="9990122"/>
             <a:ext cx="12844575" cy="40559"/>
           </a:xfrm>
           <a:prstGeom prst="straightConnector1">
@@ -12075,7 +12210,7 @@
         </p:nvCxnSpPr>
         <p:spPr>
           <a:xfrm flipV="1">
-            <a:off x="2614371" y="629046"/>
+            <a:off x="2601885" y="320392"/>
             <a:ext cx="12844575" cy="40559"/>
           </a:xfrm>
           <a:prstGeom prst="straightConnector1">
@@ -12147,6 +12282,96 @@
           <a:xfrm>
             <a:off x="3010735" y="1191375"/>
             <a:ext cx="2840955" cy="3552298"/>
+          </a:xfrm>
+          <a:prstGeom prst="rect">
+            <a:avLst/>
+          </a:prstGeom>
+        </p:spPr>
+      </p:pic>
+      <p:pic>
+        <p:nvPicPr>
+          <p:cNvPr id="3" name="Picture 2" descr="A person wearing glasses&#10;&#10;AI-generated content may be incorrect.">
+            <a:extLst>
+              <a:ext uri="{FF2B5EF4-FFF2-40B4-BE49-F238E27FC236}">
+                <a16:creationId xmlns:a16="http://schemas.microsoft.com/office/drawing/2014/main" id="{77BB561E-B95B-EF18-FFF8-08FDA702AD4C}"/>
+              </a:ext>
+            </a:extLst>
+          </p:cNvPr>
+          <p:cNvPicPr>
+            <a:picLocks noChangeAspect="1"/>
+          </p:cNvPicPr>
+          <p:nvPr/>
+        </p:nvPicPr>
+        <p:blipFill>
+          <a:blip r:embed="rId15"/>
+          <a:stretch>
+            <a:fillRect/>
+          </a:stretch>
+        </p:blipFill>
+        <p:spPr>
+          <a:xfrm>
+            <a:off x="12181779" y="1133945"/>
+            <a:ext cx="2840965" cy="3551206"/>
+          </a:xfrm>
+          <a:prstGeom prst="rect">
+            <a:avLst/>
+          </a:prstGeom>
+        </p:spPr>
+      </p:pic>
+      <p:pic>
+        <p:nvPicPr>
+          <p:cNvPr id="7" name="Picture 6" descr="A person wearing a brown head scarf&#10;&#10;AI-generated content may be incorrect.">
+            <a:extLst>
+              <a:ext uri="{FF2B5EF4-FFF2-40B4-BE49-F238E27FC236}">
+                <a16:creationId xmlns:a16="http://schemas.microsoft.com/office/drawing/2014/main" id="{83D3848A-F1CB-69DC-2E3F-29A28FECA208}"/>
+              </a:ext>
+            </a:extLst>
+          </p:cNvPr>
+          <p:cNvPicPr>
+            <a:picLocks noChangeAspect="1"/>
+          </p:cNvPicPr>
+          <p:nvPr/>
+        </p:nvPicPr>
+        <p:blipFill>
+          <a:blip r:embed="rId16"/>
+          <a:stretch>
+            <a:fillRect/>
+          </a:stretch>
+        </p:blipFill>
+        <p:spPr>
+          <a:xfrm>
+            <a:off x="10005570" y="5598380"/>
+            <a:ext cx="2840955" cy="3552408"/>
+          </a:xfrm>
+          <a:prstGeom prst="rect">
+            <a:avLst/>
+          </a:prstGeom>
+        </p:spPr>
+      </p:pic>
+      <p:pic>
+        <p:nvPicPr>
+          <p:cNvPr id="6" name="Picture 5" descr="A person smiling with her hand up&#10;&#10;AI-generated content may be incorrect.">
+            <a:extLst>
+              <a:ext uri="{FF2B5EF4-FFF2-40B4-BE49-F238E27FC236}">
+                <a16:creationId xmlns:a16="http://schemas.microsoft.com/office/drawing/2014/main" id="{50411F8F-FB1E-47B8-4583-4BC6AA76DF62}"/>
+              </a:ext>
+            </a:extLst>
+          </p:cNvPr>
+          <p:cNvPicPr>
+            <a:picLocks noChangeAspect="1"/>
+          </p:cNvPicPr>
+          <p:nvPr/>
+        </p:nvPicPr>
+        <p:blipFill>
+          <a:blip r:embed="rId17"/>
+          <a:stretch>
+            <a:fillRect/>
+          </a:stretch>
+        </p:blipFill>
+        <p:spPr>
+          <a:xfrm>
+            <a:off x="5369800" y="5596841"/>
+            <a:ext cx="2843805" cy="3552409"/>
           </a:xfrm>
           <a:prstGeom prst="rect">
             <a:avLst/>
